--- a/界面图及接口方面.pptx
+++ b/界面图及接口方面.pptx
@@ -262,7 +262,7 @@
           <a:p>
             <a:fld id="{1C74308A-7617-442E-B455-5625465952AF}" type="datetimeFigureOut">
               <a:rPr lang="zh-CN" altLang="en-US" smtClean="0"/>
-              <a:t>2019/7/3</a:t>
+              <a:t>2019/7/4</a:t>
             </a:fld>
             <a:endParaRPr lang="zh-CN" altLang="en-US"/>
           </a:p>
@@ -460,7 +460,7 @@
           <a:p>
             <a:fld id="{1C74308A-7617-442E-B455-5625465952AF}" type="datetimeFigureOut">
               <a:rPr lang="zh-CN" altLang="en-US" smtClean="0"/>
-              <a:t>2019/7/3</a:t>
+              <a:t>2019/7/4</a:t>
             </a:fld>
             <a:endParaRPr lang="zh-CN" altLang="en-US"/>
           </a:p>
@@ -668,7 +668,7 @@
           <a:p>
             <a:fld id="{1C74308A-7617-442E-B455-5625465952AF}" type="datetimeFigureOut">
               <a:rPr lang="zh-CN" altLang="en-US" smtClean="0"/>
-              <a:t>2019/7/3</a:t>
+              <a:t>2019/7/4</a:t>
             </a:fld>
             <a:endParaRPr lang="zh-CN" altLang="en-US"/>
           </a:p>
@@ -866,7 +866,7 @@
           <a:p>
             <a:fld id="{1C74308A-7617-442E-B455-5625465952AF}" type="datetimeFigureOut">
               <a:rPr lang="zh-CN" altLang="en-US" smtClean="0"/>
-              <a:t>2019/7/3</a:t>
+              <a:t>2019/7/4</a:t>
             </a:fld>
             <a:endParaRPr lang="zh-CN" altLang="en-US"/>
           </a:p>
@@ -1141,7 +1141,7 @@
           <a:p>
             <a:fld id="{1C74308A-7617-442E-B455-5625465952AF}" type="datetimeFigureOut">
               <a:rPr lang="zh-CN" altLang="en-US" smtClean="0"/>
-              <a:t>2019/7/3</a:t>
+              <a:t>2019/7/4</a:t>
             </a:fld>
             <a:endParaRPr lang="zh-CN" altLang="en-US"/>
           </a:p>
@@ -1406,7 +1406,7 @@
           <a:p>
             <a:fld id="{1C74308A-7617-442E-B455-5625465952AF}" type="datetimeFigureOut">
               <a:rPr lang="zh-CN" altLang="en-US" smtClean="0"/>
-              <a:t>2019/7/3</a:t>
+              <a:t>2019/7/4</a:t>
             </a:fld>
             <a:endParaRPr lang="zh-CN" altLang="en-US"/>
           </a:p>
@@ -1818,7 +1818,7 @@
           <a:p>
             <a:fld id="{1C74308A-7617-442E-B455-5625465952AF}" type="datetimeFigureOut">
               <a:rPr lang="zh-CN" altLang="en-US" smtClean="0"/>
-              <a:t>2019/7/3</a:t>
+              <a:t>2019/7/4</a:t>
             </a:fld>
             <a:endParaRPr lang="zh-CN" altLang="en-US"/>
           </a:p>
@@ -1959,7 +1959,7 @@
           <a:p>
             <a:fld id="{1C74308A-7617-442E-B455-5625465952AF}" type="datetimeFigureOut">
               <a:rPr lang="zh-CN" altLang="en-US" smtClean="0"/>
-              <a:t>2019/7/3</a:t>
+              <a:t>2019/7/4</a:t>
             </a:fld>
             <a:endParaRPr lang="zh-CN" altLang="en-US"/>
           </a:p>
@@ -2072,7 +2072,7 @@
           <a:p>
             <a:fld id="{1C74308A-7617-442E-B455-5625465952AF}" type="datetimeFigureOut">
               <a:rPr lang="zh-CN" altLang="en-US" smtClean="0"/>
-              <a:t>2019/7/3</a:t>
+              <a:t>2019/7/4</a:t>
             </a:fld>
             <a:endParaRPr lang="zh-CN" altLang="en-US"/>
           </a:p>
@@ -2383,7 +2383,7 @@
           <a:p>
             <a:fld id="{1C74308A-7617-442E-B455-5625465952AF}" type="datetimeFigureOut">
               <a:rPr lang="zh-CN" altLang="en-US" smtClean="0"/>
-              <a:t>2019/7/3</a:t>
+              <a:t>2019/7/4</a:t>
             </a:fld>
             <a:endParaRPr lang="zh-CN" altLang="en-US"/>
           </a:p>
@@ -2671,7 +2671,7 @@
           <a:p>
             <a:fld id="{1C74308A-7617-442E-B455-5625465952AF}" type="datetimeFigureOut">
               <a:rPr lang="zh-CN" altLang="en-US" smtClean="0"/>
-              <a:t>2019/7/3</a:t>
+              <a:t>2019/7/4</a:t>
             </a:fld>
             <a:endParaRPr lang="zh-CN" altLang="en-US"/>
           </a:p>
@@ -2912,7 +2912,7 @@
           <a:p>
             <a:fld id="{1C74308A-7617-442E-B455-5625465952AF}" type="datetimeFigureOut">
               <a:rPr lang="zh-CN" altLang="en-US" smtClean="0"/>
-              <a:t>2019/7/3</a:t>
+              <a:t>2019/7/4</a:t>
             </a:fld>
             <a:endParaRPr lang="zh-CN" altLang="en-US"/>
           </a:p>
@@ -6010,6 +6010,322 @@
           </a:p>
         </p:txBody>
       </p:sp>
+      <p:cxnSp>
+        <p:nvCxnSpPr>
+          <p:cNvPr id="5" name="直接箭头连接符 4">
+            <a:extLst>
+              <a:ext uri="{FF2B5EF4-FFF2-40B4-BE49-F238E27FC236}">
+                <a16:creationId xmlns:a16="http://schemas.microsoft.com/office/drawing/2014/main" id="{1C84B3E4-5926-44C0-88E0-FCEB62B07BFD}"/>
+              </a:ext>
+            </a:extLst>
+          </p:cNvPr>
+          <p:cNvCxnSpPr/>
+          <p:nvPr/>
+        </p:nvCxnSpPr>
+        <p:spPr>
+          <a:xfrm flipH="1" flipV="1">
+            <a:off x="989814" y="667781"/>
+            <a:ext cx="460737" cy="429014"/>
+          </a:xfrm>
+          <a:prstGeom prst="straightConnector1">
+            <a:avLst/>
+          </a:prstGeom>
+          <a:ln>
+            <a:tailEnd type="triangle"/>
+          </a:ln>
+        </p:spPr>
+        <p:style>
+          <a:lnRef idx="1">
+            <a:schemeClr val="accent1"/>
+          </a:lnRef>
+          <a:fillRef idx="0">
+            <a:schemeClr val="accent1"/>
+          </a:fillRef>
+          <a:effectRef idx="0">
+            <a:schemeClr val="accent1"/>
+          </a:effectRef>
+          <a:fontRef idx="minor">
+            <a:schemeClr val="tx1"/>
+          </a:fontRef>
+        </p:style>
+      </p:cxnSp>
+      <p:sp>
+        <p:nvSpPr>
+          <p:cNvPr id="6" name="文本框 5">
+            <a:extLst>
+              <a:ext uri="{FF2B5EF4-FFF2-40B4-BE49-F238E27FC236}">
+                <a16:creationId xmlns:a16="http://schemas.microsoft.com/office/drawing/2014/main" id="{D18D9678-1194-4C3F-8A10-F98B45773846}"/>
+              </a:ext>
+            </a:extLst>
+          </p:cNvPr>
+          <p:cNvSpPr txBox="1"/>
+          <p:nvPr/>
+        </p:nvSpPr>
+        <p:spPr>
+          <a:xfrm>
+            <a:off x="546840" y="291707"/>
+            <a:ext cx="1602557" cy="923330"/>
+          </a:xfrm>
+          <a:prstGeom prst="rect">
+            <a:avLst/>
+          </a:prstGeom>
+          <a:noFill/>
+        </p:spPr>
+        <p:txBody>
+          <a:bodyPr wrap="square" rtlCol="0">
+            <a:spAutoFit/>
+          </a:bodyPr>
+          <a:lstStyle/>
+          <a:p>
+            <a:r>
+              <a:rPr lang="en-US" altLang="zh-CN" dirty="0" err="1"/>
+              <a:t>Getanchorinfo</a:t>
+            </a:r>
+            <a:r>
+              <a:rPr lang="zh-CN" altLang="en-US" dirty="0"/>
+              <a:t>加载页面是发送</a:t>
+            </a:r>
+          </a:p>
+        </p:txBody>
+      </p:sp>
+      <p:cxnSp>
+        <p:nvCxnSpPr>
+          <p:cNvPr id="29" name="直接箭头连接符 28">
+            <a:extLst>
+              <a:ext uri="{FF2B5EF4-FFF2-40B4-BE49-F238E27FC236}">
+                <a16:creationId xmlns:a16="http://schemas.microsoft.com/office/drawing/2014/main" id="{05C43389-138C-4FB2-809C-A7C177017A1D}"/>
+              </a:ext>
+            </a:extLst>
+          </p:cNvPr>
+          <p:cNvCxnSpPr>
+            <a:cxnSpLocks/>
+          </p:cNvCxnSpPr>
+          <p:nvPr/>
+        </p:nvCxnSpPr>
+        <p:spPr>
+          <a:xfrm flipV="1">
+            <a:off x="6349854" y="1830193"/>
+            <a:ext cx="3227779" cy="758025"/>
+          </a:xfrm>
+          <a:prstGeom prst="straightConnector1">
+            <a:avLst/>
+          </a:prstGeom>
+          <a:ln>
+            <a:tailEnd type="triangle"/>
+          </a:ln>
+        </p:spPr>
+        <p:style>
+          <a:lnRef idx="1">
+            <a:schemeClr val="accent1"/>
+          </a:lnRef>
+          <a:fillRef idx="0">
+            <a:schemeClr val="accent1"/>
+          </a:fillRef>
+          <a:effectRef idx="0">
+            <a:schemeClr val="accent1"/>
+          </a:effectRef>
+          <a:fontRef idx="minor">
+            <a:schemeClr val="tx1"/>
+          </a:fontRef>
+        </p:style>
+      </p:cxnSp>
+      <p:sp>
+        <p:nvSpPr>
+          <p:cNvPr id="30" name="文本框 29">
+            <a:extLst>
+              <a:ext uri="{FF2B5EF4-FFF2-40B4-BE49-F238E27FC236}">
+                <a16:creationId xmlns:a16="http://schemas.microsoft.com/office/drawing/2014/main" id="{865A7160-F9C8-41D2-BE6E-547BF984F0E1}"/>
+              </a:ext>
+            </a:extLst>
+          </p:cNvPr>
+          <p:cNvSpPr txBox="1"/>
+          <p:nvPr/>
+        </p:nvSpPr>
+        <p:spPr>
+          <a:xfrm>
+            <a:off x="9728462" y="1705574"/>
+            <a:ext cx="1779919" cy="646331"/>
+          </a:xfrm>
+          <a:prstGeom prst="rect">
+            <a:avLst/>
+          </a:prstGeom>
+          <a:noFill/>
+        </p:spPr>
+        <p:txBody>
+          <a:bodyPr wrap="square" rtlCol="0">
+            <a:spAutoFit/>
+          </a:bodyPr>
+          <a:lstStyle/>
+          <a:p>
+            <a:r>
+              <a:rPr lang="en-US" altLang="zh-CN" dirty="0" err="1"/>
+              <a:t>Savescoring</a:t>
+            </a:r>
+            <a:r>
+              <a:rPr lang="zh-CN" altLang="en-US" dirty="0"/>
+              <a:t>点击产生</a:t>
+            </a:r>
+          </a:p>
+        </p:txBody>
+      </p:sp>
+      <p:cxnSp>
+        <p:nvCxnSpPr>
+          <p:cNvPr id="37" name="直接箭头连接符 36">
+            <a:extLst>
+              <a:ext uri="{FF2B5EF4-FFF2-40B4-BE49-F238E27FC236}">
+                <a16:creationId xmlns:a16="http://schemas.microsoft.com/office/drawing/2014/main" id="{55741051-B96A-4032-8103-3231BDEBCB8F}"/>
+              </a:ext>
+            </a:extLst>
+          </p:cNvPr>
+          <p:cNvCxnSpPr/>
+          <p:nvPr/>
+        </p:nvCxnSpPr>
+        <p:spPr>
+          <a:xfrm flipH="1">
+            <a:off x="6153191" y="4015819"/>
+            <a:ext cx="410041" cy="841407"/>
+          </a:xfrm>
+          <a:prstGeom prst="straightConnector1">
+            <a:avLst/>
+          </a:prstGeom>
+          <a:ln>
+            <a:tailEnd type="triangle"/>
+          </a:ln>
+        </p:spPr>
+        <p:style>
+          <a:lnRef idx="1">
+            <a:schemeClr val="accent1"/>
+          </a:lnRef>
+          <a:fillRef idx="0">
+            <a:schemeClr val="accent1"/>
+          </a:fillRef>
+          <a:effectRef idx="0">
+            <a:schemeClr val="accent1"/>
+          </a:effectRef>
+          <a:fontRef idx="minor">
+            <a:schemeClr val="tx1"/>
+          </a:fontRef>
+        </p:style>
+      </p:cxnSp>
+      <p:sp>
+        <p:nvSpPr>
+          <p:cNvPr id="38" name="文本框 37">
+            <a:extLst>
+              <a:ext uri="{FF2B5EF4-FFF2-40B4-BE49-F238E27FC236}">
+                <a16:creationId xmlns:a16="http://schemas.microsoft.com/office/drawing/2014/main" id="{445F8EF4-13DE-4FCA-932F-B140BA88F94F}"/>
+              </a:ext>
+            </a:extLst>
+          </p:cNvPr>
+          <p:cNvSpPr txBox="1"/>
+          <p:nvPr/>
+        </p:nvSpPr>
+        <p:spPr>
+          <a:xfrm>
+            <a:off x="5636335" y="4798611"/>
+            <a:ext cx="1238596" cy="646331"/>
+          </a:xfrm>
+          <a:prstGeom prst="rect">
+            <a:avLst/>
+          </a:prstGeom>
+          <a:noFill/>
+        </p:spPr>
+        <p:txBody>
+          <a:bodyPr wrap="square" rtlCol="0">
+            <a:spAutoFit/>
+          </a:bodyPr>
+          <a:lstStyle/>
+          <a:p>
+            <a:r>
+              <a:rPr lang="en-US" altLang="zh-CN" dirty="0"/>
+              <a:t>Reply</a:t>
+            </a:r>
+          </a:p>
+          <a:p>
+            <a:r>
+              <a:rPr lang="zh-CN" altLang="en-US" dirty="0"/>
+              <a:t>点击产生</a:t>
+            </a:r>
+          </a:p>
+        </p:txBody>
+      </p:sp>
+      <p:cxnSp>
+        <p:nvCxnSpPr>
+          <p:cNvPr id="44" name="直接箭头连接符 43">
+            <a:extLst>
+              <a:ext uri="{FF2B5EF4-FFF2-40B4-BE49-F238E27FC236}">
+                <a16:creationId xmlns:a16="http://schemas.microsoft.com/office/drawing/2014/main" id="{3EBAA6AC-B42E-41EC-A966-93EBC78F054C}"/>
+              </a:ext>
+            </a:extLst>
+          </p:cNvPr>
+          <p:cNvCxnSpPr/>
+          <p:nvPr/>
+        </p:nvCxnSpPr>
+        <p:spPr>
+          <a:xfrm>
+            <a:off x="4037727" y="5109328"/>
+            <a:ext cx="1075322" cy="471340"/>
+          </a:xfrm>
+          <a:prstGeom prst="straightConnector1">
+            <a:avLst/>
+          </a:prstGeom>
+          <a:ln>
+            <a:tailEnd type="triangle"/>
+          </a:ln>
+        </p:spPr>
+        <p:style>
+          <a:lnRef idx="1">
+            <a:schemeClr val="accent1"/>
+          </a:lnRef>
+          <a:fillRef idx="0">
+            <a:schemeClr val="accent1"/>
+          </a:fillRef>
+          <a:effectRef idx="0">
+            <a:schemeClr val="accent1"/>
+          </a:effectRef>
+          <a:fontRef idx="minor">
+            <a:schemeClr val="tx1"/>
+          </a:fontRef>
+        </p:style>
+      </p:cxnSp>
+      <p:sp>
+        <p:nvSpPr>
+          <p:cNvPr id="45" name="文本框 44">
+            <a:extLst>
+              <a:ext uri="{FF2B5EF4-FFF2-40B4-BE49-F238E27FC236}">
+                <a16:creationId xmlns:a16="http://schemas.microsoft.com/office/drawing/2014/main" id="{386CE14E-B0C2-42AA-A4CA-1D6B55D60717}"/>
+              </a:ext>
+            </a:extLst>
+          </p:cNvPr>
+          <p:cNvSpPr txBox="1"/>
+          <p:nvPr/>
+        </p:nvSpPr>
+        <p:spPr>
+          <a:xfrm>
+            <a:off x="5099643" y="5478660"/>
+            <a:ext cx="1557831" cy="646331"/>
+          </a:xfrm>
+          <a:prstGeom prst="rect">
+            <a:avLst/>
+          </a:prstGeom>
+          <a:noFill/>
+        </p:spPr>
+        <p:txBody>
+          <a:bodyPr wrap="square" rtlCol="0">
+            <a:spAutoFit/>
+          </a:bodyPr>
+          <a:lstStyle/>
+          <a:p>
+            <a:r>
+              <a:rPr lang="en-US" altLang="zh-CN" dirty="0" err="1"/>
+              <a:t>getscoring</a:t>
+            </a:r>
+            <a:r>
+              <a:rPr lang="zh-CN" altLang="en-US" dirty="0"/>
+              <a:t>加载页面是发送</a:t>
+            </a:r>
+          </a:p>
+        </p:txBody>
+      </p:sp>
     </p:spTree>
     <p:extLst>
       <p:ext uri="{BB962C8B-B14F-4D97-AF65-F5344CB8AC3E}">
@@ -6171,16 +6487,16 @@
           <a:lstStyle/>
           <a:p>
             <a:r>
-              <a:rPr lang="zh-CN" altLang="en-US"/>
+              <a:rPr lang="zh-CN" altLang="en-US" dirty="0"/>
               <a:t>请求</a:t>
             </a:r>
             <a:r>
-              <a:rPr lang="en-US" altLang="zh-CN"/>
+              <a:rPr lang="en-US" altLang="zh-CN" dirty="0" err="1"/>
               <a:t>getinfo</a:t>
             </a:r>
             <a:r>
-              <a:rPr lang="zh-CN" altLang="en-US"/>
-              <a:t>得到后台响应发送数据解析显示数据。</a:t>
+              <a:rPr lang="zh-CN" altLang="en-US" dirty="0"/>
+              <a:t>得到后台响应发送数据解显示数据。</a:t>
             </a:r>
           </a:p>
         </p:txBody>
@@ -6208,7 +6524,7 @@
           <a:lstStyle/>
           <a:p>
             <a:r>
-              <a:rPr lang="zh-CN" altLang="en-US"/>
+              <a:rPr lang="zh-CN" altLang="en-US" dirty="0"/>
               <a:t>发送请求comment到后台，判断主播信息后台发送评论数据，解析显示当前主播数据</a:t>
             </a:r>
           </a:p>
@@ -6237,7 +6553,7 @@
           <a:lstStyle/>
           <a:p>
             <a:r>
-              <a:rPr lang="zh-CN" altLang="en-US"/>
+              <a:rPr lang="zh-CN" altLang="en-US" dirty="0"/>
               <a:t>单击按钮事件，跳转到修改界面</a:t>
             </a:r>
           </a:p>
@@ -7047,6 +7363,246 @@
           <a:xfrm flipV="1">
             <a:off x="3853853" y="1598524"/>
             <a:ext cx="817514" cy="104656"/>
+          </a:xfrm>
+          <a:prstGeom prst="straightConnector1">
+            <a:avLst/>
+          </a:prstGeom>
+          <a:ln>
+            <a:tailEnd type="triangle"/>
+          </a:ln>
+        </p:spPr>
+        <p:style>
+          <a:lnRef idx="1">
+            <a:schemeClr val="accent1"/>
+          </a:lnRef>
+          <a:fillRef idx="0">
+            <a:schemeClr val="accent1"/>
+          </a:fillRef>
+          <a:effectRef idx="0">
+            <a:schemeClr val="accent1"/>
+          </a:effectRef>
+          <a:fontRef idx="minor">
+            <a:schemeClr val="tx1"/>
+          </a:fontRef>
+        </p:style>
+      </p:cxnSp>
+      <p:cxnSp>
+        <p:nvCxnSpPr>
+          <p:cNvPr id="29" name="直接箭头连接符 28">
+            <a:extLst>
+              <a:ext uri="{FF2B5EF4-FFF2-40B4-BE49-F238E27FC236}">
+                <a16:creationId xmlns:a16="http://schemas.microsoft.com/office/drawing/2014/main" id="{B2E280E9-4E6F-479F-9E2C-81B406996063}"/>
+              </a:ext>
+            </a:extLst>
+          </p:cNvPr>
+          <p:cNvCxnSpPr/>
+          <p:nvPr/>
+        </p:nvCxnSpPr>
+        <p:spPr>
+          <a:xfrm flipH="1" flipV="1">
+            <a:off x="2031249" y="888141"/>
+            <a:ext cx="460737" cy="429014"/>
+          </a:xfrm>
+          <a:prstGeom prst="straightConnector1">
+            <a:avLst/>
+          </a:prstGeom>
+          <a:ln>
+            <a:tailEnd type="triangle"/>
+          </a:ln>
+        </p:spPr>
+        <p:style>
+          <a:lnRef idx="1">
+            <a:schemeClr val="accent1"/>
+          </a:lnRef>
+          <a:fillRef idx="0">
+            <a:schemeClr val="accent1"/>
+          </a:fillRef>
+          <a:effectRef idx="0">
+            <a:schemeClr val="accent1"/>
+          </a:effectRef>
+          <a:fontRef idx="minor">
+            <a:schemeClr val="tx1"/>
+          </a:fontRef>
+        </p:style>
+      </p:cxnSp>
+      <p:sp>
+        <p:nvSpPr>
+          <p:cNvPr id="30" name="文本框 29">
+            <a:extLst>
+              <a:ext uri="{FF2B5EF4-FFF2-40B4-BE49-F238E27FC236}">
+                <a16:creationId xmlns:a16="http://schemas.microsoft.com/office/drawing/2014/main" id="{33519CE2-B0CB-4C71-B743-CCF16276966B}"/>
+              </a:ext>
+            </a:extLst>
+          </p:cNvPr>
+          <p:cNvSpPr txBox="1"/>
+          <p:nvPr/>
+        </p:nvSpPr>
+        <p:spPr>
+          <a:xfrm>
+            <a:off x="1588275" y="512067"/>
+            <a:ext cx="2061059" cy="646331"/>
+          </a:xfrm>
+          <a:prstGeom prst="rect">
+            <a:avLst/>
+          </a:prstGeom>
+          <a:noFill/>
+        </p:spPr>
+        <p:txBody>
+          <a:bodyPr wrap="square" rtlCol="0">
+            <a:spAutoFit/>
+          </a:bodyPr>
+          <a:lstStyle/>
+          <a:p>
+            <a:r>
+              <a:rPr lang="en-US" altLang="zh-CN" dirty="0" err="1"/>
+              <a:t>Getanchorinfo</a:t>
+            </a:r>
+            <a:endParaRPr lang="en-US" altLang="zh-CN" dirty="0"/>
+          </a:p>
+          <a:p>
+            <a:r>
+              <a:rPr lang="zh-CN" altLang="en-US" dirty="0"/>
+              <a:t>加载页面是发送</a:t>
+            </a:r>
+          </a:p>
+        </p:txBody>
+      </p:sp>
+      <p:cxnSp>
+        <p:nvCxnSpPr>
+          <p:cNvPr id="31" name="直接箭头连接符 30">
+            <a:extLst>
+              <a:ext uri="{FF2B5EF4-FFF2-40B4-BE49-F238E27FC236}">
+                <a16:creationId xmlns:a16="http://schemas.microsoft.com/office/drawing/2014/main" id="{54D1D5C7-1B0A-4891-8B27-7F29A195C03D}"/>
+              </a:ext>
+            </a:extLst>
+          </p:cNvPr>
+          <p:cNvCxnSpPr/>
+          <p:nvPr/>
+        </p:nvCxnSpPr>
+        <p:spPr>
+          <a:xfrm flipH="1">
+            <a:off x="5898795" y="3490401"/>
+            <a:ext cx="410041" cy="841407"/>
+          </a:xfrm>
+          <a:prstGeom prst="straightConnector1">
+            <a:avLst/>
+          </a:prstGeom>
+          <a:ln>
+            <a:tailEnd type="triangle"/>
+          </a:ln>
+        </p:spPr>
+        <p:style>
+          <a:lnRef idx="1">
+            <a:schemeClr val="accent1"/>
+          </a:lnRef>
+          <a:fillRef idx="0">
+            <a:schemeClr val="accent1"/>
+          </a:fillRef>
+          <a:effectRef idx="0">
+            <a:schemeClr val="accent1"/>
+          </a:effectRef>
+          <a:fontRef idx="minor">
+            <a:schemeClr val="tx1"/>
+          </a:fontRef>
+        </p:style>
+      </p:cxnSp>
+      <p:sp>
+        <p:nvSpPr>
+          <p:cNvPr id="32" name="文本框 31">
+            <a:extLst>
+              <a:ext uri="{FF2B5EF4-FFF2-40B4-BE49-F238E27FC236}">
+                <a16:creationId xmlns:a16="http://schemas.microsoft.com/office/drawing/2014/main" id="{572F2659-4F01-4307-8537-7905CD770FD4}"/>
+              </a:ext>
+            </a:extLst>
+          </p:cNvPr>
+          <p:cNvSpPr txBox="1"/>
+          <p:nvPr/>
+        </p:nvSpPr>
+        <p:spPr>
+          <a:xfrm>
+            <a:off x="5381938" y="4273193"/>
+            <a:ext cx="1235677" cy="646331"/>
+          </a:xfrm>
+          <a:prstGeom prst="rect">
+            <a:avLst/>
+          </a:prstGeom>
+          <a:noFill/>
+        </p:spPr>
+        <p:txBody>
+          <a:bodyPr wrap="square" rtlCol="0">
+            <a:spAutoFit/>
+          </a:bodyPr>
+          <a:lstStyle/>
+          <a:p>
+            <a:r>
+              <a:rPr lang="en-US" altLang="zh-CN" dirty="0"/>
+              <a:t>Reply</a:t>
+            </a:r>
+          </a:p>
+          <a:p>
+            <a:r>
+              <a:rPr lang="zh-CN" altLang="en-US" dirty="0"/>
+              <a:t>点击产生</a:t>
+            </a:r>
+          </a:p>
+        </p:txBody>
+      </p:sp>
+      <p:sp>
+        <p:nvSpPr>
+          <p:cNvPr id="3" name="矩形 2">
+            <a:extLst>
+              <a:ext uri="{FF2B5EF4-FFF2-40B4-BE49-F238E27FC236}">
+                <a16:creationId xmlns:a16="http://schemas.microsoft.com/office/drawing/2014/main" id="{1892637B-D4CA-40B5-A93D-ABB61197DCB5}"/>
+              </a:ext>
+            </a:extLst>
+          </p:cNvPr>
+          <p:cNvSpPr/>
+          <p:nvPr/>
+        </p:nvSpPr>
+        <p:spPr>
+          <a:xfrm>
+            <a:off x="4475168" y="5074810"/>
+            <a:ext cx="2847254" cy="369332"/>
+          </a:xfrm>
+          <a:prstGeom prst="rect">
+            <a:avLst/>
+          </a:prstGeom>
+        </p:spPr>
+        <p:txBody>
+          <a:bodyPr wrap="none">
+            <a:spAutoFit/>
+          </a:bodyPr>
+          <a:lstStyle/>
+          <a:p>
+            <a:r>
+              <a:rPr lang="en-US" altLang="zh-CN" dirty="0" err="1"/>
+              <a:t>getscoring</a:t>
+            </a:r>
+            <a:r>
+              <a:rPr lang="zh-CN" altLang="en-US" dirty="0"/>
+              <a:t>加载页面是发送</a:t>
+            </a:r>
+          </a:p>
+        </p:txBody>
+      </p:sp>
+      <p:cxnSp>
+        <p:nvCxnSpPr>
+          <p:cNvPr id="33" name="直接箭头连接符 32">
+            <a:extLst>
+              <a:ext uri="{FF2B5EF4-FFF2-40B4-BE49-F238E27FC236}">
+                <a16:creationId xmlns:a16="http://schemas.microsoft.com/office/drawing/2014/main" id="{03E462CB-5273-49F2-B1E5-34BF372882BA}"/>
+              </a:ext>
+            </a:extLst>
+          </p:cNvPr>
+          <p:cNvCxnSpPr>
+            <a:cxnSpLocks/>
+          </p:cNvCxnSpPr>
+          <p:nvPr/>
+        </p:nvCxnSpPr>
+        <p:spPr>
+          <a:xfrm>
+            <a:off x="3849279" y="4269460"/>
+            <a:ext cx="736570" cy="857449"/>
           </a:xfrm>
           <a:prstGeom prst="straightConnector1">
             <a:avLst/>
